--- a/07NuralNetworks/TF/002MalariaProject/ProjectReport/Vid 2 - Functional API, Model Subclassing & Custom Layers.pptx
+++ b/07NuralNetworks/TF/002MalariaProject/ProjectReport/Vid 2 - Functional API, Model Subclassing & Custom Layers.pptx
@@ -5,10 +5,11 @@
     <p:sldMasterId id="2147483648" r:id="rId1"/>
   </p:sldMasterIdLst>
   <p:sldIdLst>
-    <p:sldId id="259" r:id="rId2"/>
-    <p:sldId id="260" r:id="rId3"/>
-    <p:sldId id="261" r:id="rId4"/>
-    <p:sldId id="263" r:id="rId5"/>
+    <p:sldId id="256" r:id="rId2"/>
+    <p:sldId id="265" r:id="rId3"/>
+    <p:sldId id="267" r:id="rId4"/>
+    <p:sldId id="260" r:id="rId5"/>
+    <p:sldId id="261" r:id="rId6"/>
   </p:sldIdLst>
   <p:sldSz cx="12192000" cy="6858000"/>
   <p:notesSz cx="6858000" cy="9144000"/>
@@ -1135,7 +1136,7 @@
           <a:p>
             <a:fld id="{1B04A521-ABE9-4937-B660-EA2BE84D7C65}" type="datetimeFigureOut">
               <a:rPr lang="en-IN" smtClean="0"/>
-              <a:t>05-09-2025</a:t>
+              <a:t>06-09-2025</a:t>
             </a:fld>
             <a:endParaRPr lang="en-IN"/>
           </a:p>
@@ -1335,7 +1336,7 @@
           <a:p>
             <a:fld id="{1B04A521-ABE9-4937-B660-EA2BE84D7C65}" type="datetimeFigureOut">
               <a:rPr lang="en-IN" smtClean="0"/>
-              <a:t>05-09-2025</a:t>
+              <a:t>06-09-2025</a:t>
             </a:fld>
             <a:endParaRPr lang="en-IN"/>
           </a:p>
@@ -1545,7 +1546,7 @@
           <a:p>
             <a:fld id="{1B04A521-ABE9-4937-B660-EA2BE84D7C65}" type="datetimeFigureOut">
               <a:rPr lang="en-IN" smtClean="0"/>
-              <a:t>05-09-2025</a:t>
+              <a:t>06-09-2025</a:t>
             </a:fld>
             <a:endParaRPr lang="en-IN"/>
           </a:p>
@@ -1745,7 +1746,7 @@
           <a:p>
             <a:fld id="{1B04A521-ABE9-4937-B660-EA2BE84D7C65}" type="datetimeFigureOut">
               <a:rPr lang="en-IN" smtClean="0"/>
-              <a:t>05-09-2025</a:t>
+              <a:t>06-09-2025</a:t>
             </a:fld>
             <a:endParaRPr lang="en-IN"/>
           </a:p>
@@ -2021,7 +2022,7 @@
           <a:p>
             <a:fld id="{1B04A521-ABE9-4937-B660-EA2BE84D7C65}" type="datetimeFigureOut">
               <a:rPr lang="en-IN" smtClean="0"/>
-              <a:t>05-09-2025</a:t>
+              <a:t>06-09-2025</a:t>
             </a:fld>
             <a:endParaRPr lang="en-IN"/>
           </a:p>
@@ -2289,7 +2290,7 @@
           <a:p>
             <a:fld id="{1B04A521-ABE9-4937-B660-EA2BE84D7C65}" type="datetimeFigureOut">
               <a:rPr lang="en-IN" smtClean="0"/>
-              <a:t>05-09-2025</a:t>
+              <a:t>06-09-2025</a:t>
             </a:fld>
             <a:endParaRPr lang="en-IN"/>
           </a:p>
@@ -2704,7 +2705,7 @@
           <a:p>
             <a:fld id="{1B04A521-ABE9-4937-B660-EA2BE84D7C65}" type="datetimeFigureOut">
               <a:rPr lang="en-IN" smtClean="0"/>
-              <a:t>05-09-2025</a:t>
+              <a:t>06-09-2025</a:t>
             </a:fld>
             <a:endParaRPr lang="en-IN"/>
           </a:p>
@@ -2846,7 +2847,7 @@
           <a:p>
             <a:fld id="{1B04A521-ABE9-4937-B660-EA2BE84D7C65}" type="datetimeFigureOut">
               <a:rPr lang="en-IN" smtClean="0"/>
-              <a:t>05-09-2025</a:t>
+              <a:t>06-09-2025</a:t>
             </a:fld>
             <a:endParaRPr lang="en-IN"/>
           </a:p>
@@ -2959,7 +2960,7 @@
           <a:p>
             <a:fld id="{1B04A521-ABE9-4937-B660-EA2BE84D7C65}" type="datetimeFigureOut">
               <a:rPr lang="en-IN" smtClean="0"/>
-              <a:t>05-09-2025</a:t>
+              <a:t>06-09-2025</a:t>
             </a:fld>
             <a:endParaRPr lang="en-IN"/>
           </a:p>
@@ -3272,7 +3273,7 @@
           <a:p>
             <a:fld id="{1B04A521-ABE9-4937-B660-EA2BE84D7C65}" type="datetimeFigureOut">
               <a:rPr lang="en-IN" smtClean="0"/>
-              <a:t>05-09-2025</a:t>
+              <a:t>06-09-2025</a:t>
             </a:fld>
             <a:endParaRPr lang="en-IN"/>
           </a:p>
@@ -3561,7 +3562,7 @@
           <a:p>
             <a:fld id="{1B04A521-ABE9-4937-B660-EA2BE84D7C65}" type="datetimeFigureOut">
               <a:rPr lang="en-IN" smtClean="0"/>
-              <a:t>05-09-2025</a:t>
+              <a:t>06-09-2025</a:t>
             </a:fld>
             <a:endParaRPr lang="en-IN"/>
           </a:p>
@@ -3804,7 +3805,7 @@
           <a:p>
             <a:fld id="{1B04A521-ABE9-4937-B660-EA2BE84D7C65}" type="datetimeFigureOut">
               <a:rPr lang="en-IN" smtClean="0"/>
-              <a:t>05-09-2025</a:t>
+              <a:t>06-09-2025</a:t>
             </a:fld>
             <a:endParaRPr lang="en-IN"/>
           </a:p>
@@ -4207,12 +4208,666 @@
 <file path=ppt/slides/slide1.xml><?xml version="1.0" encoding="utf-8"?>
 <p:sld xmlns:a="http://schemas.openxmlformats.org/drawingml/2006/main" xmlns:r="http://schemas.openxmlformats.org/officeDocument/2006/relationships" xmlns:p="http://schemas.openxmlformats.org/presentationml/2006/main">
   <p:cSld>
+    <p:bg>
+      <p:bgPr>
+        <a:solidFill>
+          <a:schemeClr val="tx1">
+            <a:lumMod val="95000"/>
+            <a:lumOff val="5000"/>
+          </a:schemeClr>
+        </a:solidFill>
+        <a:effectLst/>
+      </p:bgPr>
+    </p:bg>
+    <p:spTree>
+      <p:nvGrpSpPr>
+        <p:cNvPr id="1" name=""/>
+        <p:cNvGrpSpPr/>
+        <p:nvPr/>
+      </p:nvGrpSpPr>
+      <p:grpSpPr>
+        <a:xfrm>
+          <a:off x="0" y="0"/>
+          <a:ext cx="0" cy="0"/>
+          <a:chOff x="0" y="0"/>
+          <a:chExt cx="0" cy="0"/>
+        </a:xfrm>
+      </p:grpSpPr>
+      <p:pic>
+        <p:nvPicPr>
+          <p:cNvPr id="15" name="Picture 14" descr="A logo with a black background&#10;&#10;AI-generated content may be incorrect.">
+            <a:extLst>
+              <a:ext uri="{FF2B5EF4-FFF2-40B4-BE49-F238E27FC236}">
+                <a16:creationId xmlns:a16="http://schemas.microsoft.com/office/drawing/2014/main" id="{F074E5F6-EC14-59D6-EA5E-464847DC1D49}"/>
+              </a:ext>
+            </a:extLst>
+          </p:cNvPr>
+          <p:cNvPicPr>
+            <a:picLocks noChangeAspect="1"/>
+          </p:cNvPicPr>
+          <p:nvPr/>
+        </p:nvPicPr>
+        <p:blipFill>
+          <a:blip r:embed="rId2">
+            <a:extLst>
+              <a:ext uri="{28A0092B-C50C-407E-A947-70E740481C1C}">
+                <a14:useLocalDpi xmlns:a14="http://schemas.microsoft.com/office/drawing/2010/main" val="0"/>
+              </a:ext>
+            </a:extLst>
+          </a:blip>
+          <a:stretch>
+            <a:fillRect/>
+          </a:stretch>
+        </p:blipFill>
+        <p:spPr>
+          <a:xfrm>
+            <a:off x="617751" y="515746"/>
+            <a:ext cx="1087593" cy="1087593"/>
+          </a:xfrm>
+          <a:prstGeom prst="rect">
+            <a:avLst/>
+          </a:prstGeom>
+        </p:spPr>
+      </p:pic>
+      <p:sp>
+        <p:nvSpPr>
+          <p:cNvPr id="17" name="TextBox 16">
+            <a:extLst>
+              <a:ext uri="{FF2B5EF4-FFF2-40B4-BE49-F238E27FC236}">
+                <a16:creationId xmlns:a16="http://schemas.microsoft.com/office/drawing/2014/main" id="{40470698-2E29-1189-D0E9-D0DF080718F1}"/>
+              </a:ext>
+            </a:extLst>
+          </p:cNvPr>
+          <p:cNvSpPr txBox="1"/>
+          <p:nvPr/>
+        </p:nvSpPr>
+        <p:spPr>
+          <a:xfrm>
+            <a:off x="2107095" y="405518"/>
+            <a:ext cx="9358685" cy="1308050"/>
+          </a:xfrm>
+          <a:prstGeom prst="rect">
+            <a:avLst/>
+          </a:prstGeom>
+          <a:noFill/>
+        </p:spPr>
+        <p:txBody>
+          <a:bodyPr wrap="square">
+            <a:spAutoFit/>
+          </a:bodyPr>
+          <a:lstStyle/>
+          <a:p>
+            <a:pPr algn="just"/>
+            <a:r>
+              <a:rPr lang="en-US" sz="5000" b="1" cap="small" dirty="0">
+                <a:solidFill>
+                  <a:schemeClr val="bg1">
+                    <a:lumMod val="95000"/>
+                  </a:schemeClr>
+                </a:solidFill>
+                <a:effectLst>
+                  <a:outerShdw blurRad="38100" dist="38100" dir="2700000" algn="tl">
+                    <a:srgbClr val="000000">
+                      <a:alpha val="43137"/>
+                    </a:srgbClr>
+                  </a:outerShdw>
+                </a:effectLst>
+                <a:latin typeface="Oxygen" panose="02000503000000000000" pitchFamily="2" charset="0"/>
+              </a:rPr>
+              <a:t>Constricting Neural Networks</a:t>
+            </a:r>
+          </a:p>
+          <a:p>
+            <a:pPr algn="just"/>
+            <a:r>
+              <a:rPr lang="en-US" sz="2900" b="1" cap="small" dirty="0">
+                <a:solidFill>
+                  <a:schemeClr val="bg1">
+                    <a:lumMod val="95000"/>
+                  </a:schemeClr>
+                </a:solidFill>
+                <a:effectLst>
+                  <a:outerShdw blurRad="38100" dist="38100" dir="2700000" algn="tl">
+                    <a:srgbClr val="000000">
+                      <a:alpha val="43137"/>
+                    </a:srgbClr>
+                  </a:outerShdw>
+                </a:effectLst>
+                <a:latin typeface="Oxygen" panose="02000503000000000000" pitchFamily="2" charset="0"/>
+              </a:rPr>
+              <a:t>Sequential, Functional, Subclassing &amp; Custom Layers</a:t>
+            </a:r>
+          </a:p>
+        </p:txBody>
+      </p:sp>
+      <p:pic>
+        <p:nvPicPr>
+          <p:cNvPr id="2" name="Picture 1">
+            <a:extLst>
+              <a:ext uri="{FF2B5EF4-FFF2-40B4-BE49-F238E27FC236}">
+                <a16:creationId xmlns:a16="http://schemas.microsoft.com/office/drawing/2014/main" id="{1A3C96FA-C031-39FE-7EC0-476608258E88}"/>
+              </a:ext>
+            </a:extLst>
+          </p:cNvPr>
+          <p:cNvPicPr>
+            <a:picLocks noChangeAspect="1"/>
+          </p:cNvPicPr>
+          <p:nvPr/>
+        </p:nvPicPr>
+        <p:blipFill>
+          <a:blip r:embed="rId3"/>
+          <a:srcRect l="3643" t="44444" r="44334" b="43226"/>
+          <a:stretch>
+            <a:fillRect/>
+          </a:stretch>
+        </p:blipFill>
+        <p:spPr>
+          <a:xfrm>
+            <a:off x="1161547" y="2796619"/>
+            <a:ext cx="3574855" cy="564841"/>
+          </a:xfrm>
+          <a:prstGeom prst="rect">
+            <a:avLst/>
+          </a:prstGeom>
+        </p:spPr>
+      </p:pic>
+      <p:sp>
+        <p:nvSpPr>
+          <p:cNvPr id="3" name="TextBox 2">
+            <a:extLst>
+              <a:ext uri="{FF2B5EF4-FFF2-40B4-BE49-F238E27FC236}">
+                <a16:creationId xmlns:a16="http://schemas.microsoft.com/office/drawing/2014/main" id="{4197D818-CC3C-0EA1-702B-C791F8980EBB}"/>
+              </a:ext>
+            </a:extLst>
+          </p:cNvPr>
+          <p:cNvSpPr txBox="1"/>
+          <p:nvPr/>
+        </p:nvSpPr>
+        <p:spPr>
+          <a:xfrm>
+            <a:off x="1047954" y="3826463"/>
+            <a:ext cx="4033274" cy="1021242"/>
+          </a:xfrm>
+          <a:prstGeom prst="rect">
+            <a:avLst/>
+          </a:prstGeom>
+          <a:noFill/>
+        </p:spPr>
+        <p:txBody>
+          <a:bodyPr wrap="square" rtlCol="0">
+            <a:spAutoFit/>
+          </a:bodyPr>
+          <a:lstStyle/>
+          <a:p>
+            <a:pPr marL="342900" indent="-342900">
+              <a:lnSpc>
+                <a:spcPct val="150000"/>
+              </a:lnSpc>
+              <a:buClr>
+                <a:schemeClr val="bg1">
+                  <a:lumMod val="95000"/>
+                </a:schemeClr>
+              </a:buClr>
+              <a:buSzPct val="150000"/>
+              <a:buFont typeface="Wingdings" panose="05000000000000000000" pitchFamily="2" charset="2"/>
+              <a:buChar char="v"/>
+            </a:pPr>
+            <a:r>
+              <a:rPr lang="en-IN" sz="1400" b="1" dirty="0">
+                <a:solidFill>
+                  <a:schemeClr val="bg1">
+                    <a:lumMod val="95000"/>
+                  </a:schemeClr>
+                </a:solidFill>
+                <a:latin typeface="Oxygen" panose="02000503000000000000" pitchFamily="2" charset="0"/>
+              </a:rPr>
+              <a:t>Simple</a:t>
+            </a:r>
+          </a:p>
+          <a:p>
+            <a:pPr marL="342900" indent="-342900">
+              <a:lnSpc>
+                <a:spcPct val="150000"/>
+              </a:lnSpc>
+              <a:buClr>
+                <a:schemeClr val="bg1">
+                  <a:lumMod val="95000"/>
+                </a:schemeClr>
+              </a:buClr>
+              <a:buSzPct val="150000"/>
+              <a:buFont typeface="Wingdings" panose="05000000000000000000" pitchFamily="2" charset="2"/>
+              <a:buChar char="v"/>
+            </a:pPr>
+            <a:r>
+              <a:rPr lang="en-IN" sz="1400" b="1" dirty="0">
+                <a:solidFill>
+                  <a:schemeClr val="bg1">
+                    <a:lumMod val="95000"/>
+                  </a:schemeClr>
+                </a:solidFill>
+                <a:latin typeface="Oxygen" panose="02000503000000000000" pitchFamily="2" charset="0"/>
+              </a:rPr>
+              <a:t>Straight-line model</a:t>
+            </a:r>
+          </a:p>
+          <a:p>
+            <a:pPr marL="342900" indent="-342900">
+              <a:lnSpc>
+                <a:spcPct val="150000"/>
+              </a:lnSpc>
+              <a:buClr>
+                <a:schemeClr val="bg1">
+                  <a:lumMod val="95000"/>
+                </a:schemeClr>
+              </a:buClr>
+              <a:buSzPct val="150000"/>
+              <a:buFont typeface="Wingdings" panose="05000000000000000000" pitchFamily="2" charset="2"/>
+              <a:buChar char="v"/>
+            </a:pPr>
+            <a:r>
+              <a:rPr lang="en-IN" sz="1400" b="1" dirty="0">
+                <a:solidFill>
+                  <a:schemeClr val="bg1">
+                    <a:lumMod val="95000"/>
+                  </a:schemeClr>
+                </a:solidFill>
+                <a:latin typeface="Oxygen" panose="02000503000000000000" pitchFamily="2" charset="0"/>
+              </a:rPr>
+              <a:t>Limited Customization</a:t>
+            </a:r>
+          </a:p>
+        </p:txBody>
+      </p:sp>
+      <p:pic>
+        <p:nvPicPr>
+          <p:cNvPr id="4" name="Picture 3">
+            <a:extLst>
+              <a:ext uri="{FF2B5EF4-FFF2-40B4-BE49-F238E27FC236}">
+                <a16:creationId xmlns:a16="http://schemas.microsoft.com/office/drawing/2014/main" id="{A0DCBE6E-FFC4-0420-CB64-6B89E53060B7}"/>
+              </a:ext>
+            </a:extLst>
+          </p:cNvPr>
+          <p:cNvPicPr>
+            <a:picLocks noChangeAspect="1"/>
+          </p:cNvPicPr>
+          <p:nvPr/>
+        </p:nvPicPr>
+        <p:blipFill>
+          <a:blip r:embed="rId4">
+            <a:extLst>
+              <a:ext uri="{BEBA8EAE-BF5A-486C-A8C5-ECC9F3942E4B}">
+                <a14:imgProps xmlns:a14="http://schemas.microsoft.com/office/drawing/2010/main">
+                  <a14:imgLayer r:embed="rId5">
+                    <a14:imgEffect>
+                      <a14:backgroundRemoval t="15510" b="78054" l="20806" r="75927"/>
+                    </a14:imgEffect>
+                  </a14:imgLayer>
+                </a14:imgProps>
+              </a:ext>
+            </a:extLst>
+          </a:blip>
+          <a:srcRect l="13916" t="7692" r="17183" b="14128"/>
+          <a:stretch>
+            <a:fillRect/>
+          </a:stretch>
+        </p:blipFill>
+        <p:spPr>
+          <a:xfrm>
+            <a:off x="6168594" y="2449057"/>
+            <a:ext cx="1546776" cy="1170038"/>
+          </a:xfrm>
+          <a:prstGeom prst="rect">
+            <a:avLst/>
+          </a:prstGeom>
+        </p:spPr>
+      </p:pic>
+      <p:sp>
+        <p:nvSpPr>
+          <p:cNvPr id="5" name="TextBox 4">
+            <a:extLst>
+              <a:ext uri="{FF2B5EF4-FFF2-40B4-BE49-F238E27FC236}">
+                <a16:creationId xmlns:a16="http://schemas.microsoft.com/office/drawing/2014/main" id="{EAD407C8-307A-4F89-C7C1-9C061743B62A}"/>
+              </a:ext>
+            </a:extLst>
+          </p:cNvPr>
+          <p:cNvSpPr txBox="1"/>
+          <p:nvPr/>
+        </p:nvSpPr>
+        <p:spPr>
+          <a:xfrm>
+            <a:off x="8059741" y="2501764"/>
+            <a:ext cx="2642715" cy="1021242"/>
+          </a:xfrm>
+          <a:prstGeom prst="rect">
+            <a:avLst/>
+          </a:prstGeom>
+          <a:noFill/>
+        </p:spPr>
+        <p:txBody>
+          <a:bodyPr wrap="square" rtlCol="0">
+            <a:spAutoFit/>
+          </a:bodyPr>
+          <a:lstStyle/>
+          <a:p>
+            <a:pPr marL="342900" indent="-342900">
+              <a:lnSpc>
+                <a:spcPct val="150000"/>
+              </a:lnSpc>
+              <a:buClr>
+                <a:srgbClr val="92D050"/>
+              </a:buClr>
+              <a:buSzPct val="150000"/>
+              <a:buFont typeface="Wingdings" panose="05000000000000000000" pitchFamily="2" charset="2"/>
+              <a:buChar char="ü"/>
+            </a:pPr>
+            <a:r>
+              <a:rPr lang="en-IN" sz="1400" b="1" dirty="0">
+                <a:solidFill>
+                  <a:schemeClr val="bg1">
+                    <a:lumMod val="95000"/>
+                  </a:schemeClr>
+                </a:solidFill>
+                <a:latin typeface="Oxygen" panose="02000503000000000000" pitchFamily="2" charset="0"/>
+              </a:rPr>
+              <a:t>Functional API</a:t>
+            </a:r>
+          </a:p>
+          <a:p>
+            <a:pPr marL="342900" indent="-342900">
+              <a:lnSpc>
+                <a:spcPct val="150000"/>
+              </a:lnSpc>
+              <a:buClr>
+                <a:srgbClr val="92D050"/>
+              </a:buClr>
+              <a:buSzPct val="150000"/>
+              <a:buFont typeface="Wingdings" panose="05000000000000000000" pitchFamily="2" charset="2"/>
+              <a:buChar char="ü"/>
+            </a:pPr>
+            <a:r>
+              <a:rPr lang="en-IN" sz="1400" b="1" dirty="0">
+                <a:solidFill>
+                  <a:schemeClr val="bg1">
+                    <a:lumMod val="95000"/>
+                  </a:schemeClr>
+                </a:solidFill>
+                <a:latin typeface="Oxygen" panose="02000503000000000000" pitchFamily="2" charset="0"/>
+              </a:rPr>
+              <a:t>Model Subclassing</a:t>
+            </a:r>
+          </a:p>
+          <a:p>
+            <a:pPr marL="342900" indent="-342900">
+              <a:lnSpc>
+                <a:spcPct val="150000"/>
+              </a:lnSpc>
+              <a:buClr>
+                <a:srgbClr val="92D050"/>
+              </a:buClr>
+              <a:buSzPct val="150000"/>
+              <a:buFont typeface="Wingdings" panose="05000000000000000000" pitchFamily="2" charset="2"/>
+              <a:buChar char="ü"/>
+            </a:pPr>
+            <a:r>
+              <a:rPr lang="en-IN" sz="1400" b="1" dirty="0">
+                <a:solidFill>
+                  <a:schemeClr val="bg1">
+                    <a:lumMod val="95000"/>
+                  </a:schemeClr>
+                </a:solidFill>
+                <a:latin typeface="Oxygen" panose="02000503000000000000" pitchFamily="2" charset="0"/>
+              </a:rPr>
+              <a:t>Custom Layers</a:t>
+            </a:r>
+          </a:p>
+        </p:txBody>
+      </p:sp>
+      <p:sp>
+        <p:nvSpPr>
+          <p:cNvPr id="6" name="TextBox 5">
+            <a:extLst>
+              <a:ext uri="{FF2B5EF4-FFF2-40B4-BE49-F238E27FC236}">
+                <a16:creationId xmlns:a16="http://schemas.microsoft.com/office/drawing/2014/main" id="{FA0C6D82-C4A5-21F3-03CB-9C1A7DD915D4}"/>
+              </a:ext>
+            </a:extLst>
+          </p:cNvPr>
+          <p:cNvSpPr txBox="1"/>
+          <p:nvPr/>
+        </p:nvSpPr>
+        <p:spPr>
+          <a:xfrm>
+            <a:off x="1047954" y="1953025"/>
+            <a:ext cx="2365170" cy="496033"/>
+          </a:xfrm>
+          <a:prstGeom prst="rect">
+            <a:avLst/>
+          </a:prstGeom>
+          <a:noFill/>
+        </p:spPr>
+        <p:txBody>
+          <a:bodyPr wrap="square" rtlCol="0">
+            <a:spAutoFit/>
+          </a:bodyPr>
+          <a:lstStyle/>
+          <a:p>
+            <a:pPr>
+              <a:lnSpc>
+                <a:spcPct val="150000"/>
+              </a:lnSpc>
+              <a:buClr>
+                <a:srgbClr val="00266B"/>
+              </a:buClr>
+              <a:buSzPct val="150000"/>
+            </a:pPr>
+            <a:r>
+              <a:rPr lang="en-IN" sz="2000" b="1" dirty="0">
+                <a:solidFill>
+                  <a:schemeClr val="accent2"/>
+                </a:solidFill>
+                <a:latin typeface="Oxygen" panose="02000503000000000000" pitchFamily="2" charset="0"/>
+              </a:rPr>
+              <a:t>Sequential API</a:t>
+            </a:r>
+          </a:p>
+        </p:txBody>
+      </p:sp>
+      <p:sp>
+        <p:nvSpPr>
+          <p:cNvPr id="7" name="TextBox 6">
+            <a:extLst>
+              <a:ext uri="{FF2B5EF4-FFF2-40B4-BE49-F238E27FC236}">
+                <a16:creationId xmlns:a16="http://schemas.microsoft.com/office/drawing/2014/main" id="{99976A05-4FF7-24CD-56D8-D2A921D50ECC}"/>
+              </a:ext>
+            </a:extLst>
+          </p:cNvPr>
+          <p:cNvSpPr txBox="1"/>
+          <p:nvPr/>
+        </p:nvSpPr>
+        <p:spPr>
+          <a:xfrm>
+            <a:off x="6168594" y="1953024"/>
+            <a:ext cx="4618678" cy="496033"/>
+          </a:xfrm>
+          <a:prstGeom prst="rect">
+            <a:avLst/>
+          </a:prstGeom>
+          <a:noFill/>
+        </p:spPr>
+        <p:txBody>
+          <a:bodyPr wrap="square" rtlCol="0">
+            <a:spAutoFit/>
+          </a:bodyPr>
+          <a:lstStyle/>
+          <a:p>
+            <a:pPr>
+              <a:lnSpc>
+                <a:spcPct val="150000"/>
+              </a:lnSpc>
+              <a:buClr>
+                <a:srgbClr val="00266B"/>
+              </a:buClr>
+              <a:buSzPct val="150000"/>
+            </a:pPr>
+            <a:r>
+              <a:rPr lang="en-IN" sz="2000" b="1" dirty="0">
+                <a:solidFill>
+                  <a:schemeClr val="accent2"/>
+                </a:solidFill>
+                <a:latin typeface="Oxygen" panose="02000503000000000000" pitchFamily="2" charset="0"/>
+              </a:rPr>
+              <a:t>Advanced</a:t>
+            </a:r>
+            <a:r>
+              <a:rPr lang="en-IN" sz="2000" dirty="0">
+                <a:latin typeface="Oxygen" panose="02000503000000000000" pitchFamily="2" charset="0"/>
+              </a:rPr>
+              <a:t> </a:t>
+            </a:r>
+            <a:r>
+              <a:rPr lang="en-IN" sz="2000" b="1" dirty="0">
+                <a:solidFill>
+                  <a:schemeClr val="accent2"/>
+                </a:solidFill>
+                <a:latin typeface="Oxygen" panose="02000503000000000000" pitchFamily="2" charset="0"/>
+              </a:rPr>
+              <a:t>Model-building APIs</a:t>
+            </a:r>
+          </a:p>
+        </p:txBody>
+      </p:sp>
+      <p:pic>
+        <p:nvPicPr>
+          <p:cNvPr id="16" name="Picture 15">
+            <a:extLst>
+              <a:ext uri="{FF2B5EF4-FFF2-40B4-BE49-F238E27FC236}">
+                <a16:creationId xmlns:a16="http://schemas.microsoft.com/office/drawing/2014/main" id="{92F7D793-3F91-C18B-E12B-B3977CDC029A}"/>
+              </a:ext>
+            </a:extLst>
+          </p:cNvPr>
+          <p:cNvPicPr>
+            <a:picLocks noChangeAspect="1"/>
+          </p:cNvPicPr>
+          <p:nvPr/>
+        </p:nvPicPr>
+        <p:blipFill>
+          <a:blip r:embed="rId6"/>
+          <a:stretch>
+            <a:fillRect/>
+          </a:stretch>
+        </p:blipFill>
+        <p:spPr>
+          <a:xfrm>
+            <a:off x="6562287" y="4258495"/>
+            <a:ext cx="2994907" cy="2461689"/>
+          </a:xfrm>
+          <a:prstGeom prst="rect">
+            <a:avLst/>
+          </a:prstGeom>
+        </p:spPr>
+      </p:pic>
+      <p:sp>
+        <p:nvSpPr>
+          <p:cNvPr id="19" name="TextBox 18">
+            <a:extLst>
+              <a:ext uri="{FF2B5EF4-FFF2-40B4-BE49-F238E27FC236}">
+                <a16:creationId xmlns:a16="http://schemas.microsoft.com/office/drawing/2014/main" id="{86A14A70-DF4F-D21B-7F38-7C5B095B56A5}"/>
+              </a:ext>
+            </a:extLst>
+          </p:cNvPr>
+          <p:cNvSpPr txBox="1"/>
+          <p:nvPr/>
+        </p:nvSpPr>
+        <p:spPr>
+          <a:xfrm>
+            <a:off x="6095999" y="3523006"/>
+            <a:ext cx="5934323" cy="698076"/>
+          </a:xfrm>
+          <a:prstGeom prst="rect">
+            <a:avLst/>
+          </a:prstGeom>
+          <a:noFill/>
+        </p:spPr>
+        <p:txBody>
+          <a:bodyPr wrap="square">
+            <a:spAutoFit/>
+          </a:bodyPr>
+          <a:lstStyle/>
+          <a:p>
+            <a:pPr marL="342900" indent="-342900">
+              <a:lnSpc>
+                <a:spcPct val="150000"/>
+              </a:lnSpc>
+              <a:buClr>
+                <a:schemeClr val="bg1">
+                  <a:lumMod val="95000"/>
+                </a:schemeClr>
+              </a:buClr>
+              <a:buSzPct val="150000"/>
+              <a:buFont typeface="Wingdings" panose="05000000000000000000" pitchFamily="2" charset="2"/>
+              <a:buChar char="v"/>
+            </a:pPr>
+            <a:r>
+              <a:rPr lang="en-IN" sz="1400" b="1" dirty="0">
+                <a:solidFill>
+                  <a:schemeClr val="bg1">
+                    <a:lumMod val="95000"/>
+                  </a:schemeClr>
+                </a:solidFill>
+                <a:latin typeface="Oxygen" panose="02000503000000000000" pitchFamily="2" charset="0"/>
+              </a:rPr>
+              <a:t>Much complex models possible</a:t>
+            </a:r>
+          </a:p>
+          <a:p>
+            <a:pPr marL="342900" indent="-342900">
+              <a:lnSpc>
+                <a:spcPct val="150000"/>
+              </a:lnSpc>
+              <a:buClr>
+                <a:schemeClr val="bg1">
+                  <a:lumMod val="95000"/>
+                </a:schemeClr>
+              </a:buClr>
+              <a:buSzPct val="150000"/>
+              <a:buFont typeface="Wingdings" panose="05000000000000000000" pitchFamily="2" charset="2"/>
+              <a:buChar char="v"/>
+            </a:pPr>
+            <a:r>
+              <a:rPr lang="en-IN" sz="1400" b="1" dirty="0">
+                <a:solidFill>
+                  <a:schemeClr val="bg1">
+                    <a:lumMod val="95000"/>
+                  </a:schemeClr>
+                </a:solidFill>
+                <a:latin typeface="Oxygen" panose="02000503000000000000" pitchFamily="2" charset="0"/>
+              </a:rPr>
+              <a:t>More flexibility without compromising performance</a:t>
+            </a:r>
+          </a:p>
+        </p:txBody>
+      </p:sp>
+    </p:spTree>
+    <p:extLst>
+      <p:ext uri="{BB962C8B-B14F-4D97-AF65-F5344CB8AC3E}">
+        <p14:creationId xmlns:p14="http://schemas.microsoft.com/office/powerpoint/2010/main" val="2003167784"/>
+      </p:ext>
+    </p:extLst>
+  </p:cSld>
+  <p:clrMapOvr>
+    <a:masterClrMapping/>
+  </p:clrMapOvr>
+</p:sld>
+</file>
+
+<file path=ppt/slides/slide2.xml><?xml version="1.0" encoding="utf-8"?>
+<p:sld xmlns:a="http://schemas.openxmlformats.org/drawingml/2006/main" xmlns:r="http://schemas.openxmlformats.org/officeDocument/2006/relationships" xmlns:p="http://schemas.openxmlformats.org/presentationml/2006/main">
+  <p:cSld>
     <p:spTree>
       <p:nvGrpSpPr>
         <p:cNvPr id="1" name="">
           <a:extLst>
             <a:ext uri="{FF2B5EF4-FFF2-40B4-BE49-F238E27FC236}">
-              <a16:creationId xmlns:a16="http://schemas.microsoft.com/office/drawing/2014/main" id="{CE1D456D-0C3C-80A2-801E-296F22B09FAD}"/>
+              <a16:creationId xmlns:a16="http://schemas.microsoft.com/office/drawing/2014/main" id="{C2057F11-BD76-19DA-C99C-3153FC720636}"/>
             </a:ext>
           </a:extLst>
         </p:cNvPr>
@@ -4229,10 +4884,10 @@
       </p:grpSpPr>
       <p:sp>
         <p:nvSpPr>
-          <p:cNvPr id="6" name="TextBox 5">
-            <a:extLst>
-              <a:ext uri="{FF2B5EF4-FFF2-40B4-BE49-F238E27FC236}">
-                <a16:creationId xmlns:a16="http://schemas.microsoft.com/office/drawing/2014/main" id="{8043C06B-DC94-2D92-1A72-D86177D88D98}"/>
+          <p:cNvPr id="5" name="TextBox 4">
+            <a:extLst>
+              <a:ext uri="{FF2B5EF4-FFF2-40B4-BE49-F238E27FC236}">
+                <a16:creationId xmlns:a16="http://schemas.microsoft.com/office/drawing/2014/main" id="{A4823FC5-F8BC-D7B9-1295-8B2BC732F3C5}"/>
               </a:ext>
             </a:extLst>
           </p:cNvPr>
@@ -4241,8 +4896,8 @@
         </p:nvSpPr>
         <p:spPr>
           <a:xfrm>
-            <a:off x="2107095" y="405518"/>
-            <a:ext cx="9358685" cy="769441"/>
+            <a:off x="2242267" y="79513"/>
+            <a:ext cx="8055283" cy="523220"/>
           </a:xfrm>
           <a:prstGeom prst="rect">
             <a:avLst/>
@@ -4257,7 +4912,7 @@
           <a:p>
             <a:pPr algn="just"/>
             <a:r>
-              <a:rPr lang="en-IN" sz="4400" b="1" cap="small" dirty="0">
+              <a:rPr lang="en-US" sz="2800" b="1" cap="small" dirty="0">
                 <a:solidFill>
                   <a:schemeClr val="tx1">
                     <a:lumMod val="85000"/>
@@ -4273,33 +4928,17 @@
                 </a:effectLst>
                 <a:latin typeface="Oxygen" panose="02000503000000000000" pitchFamily="2" charset="0"/>
               </a:rPr>
-              <a:t>Why Sequential Isn’t Enough</a:t>
-            </a:r>
-            <a:endParaRPr lang="en-US" sz="4400" b="1" cap="small" dirty="0">
-              <a:solidFill>
-                <a:schemeClr val="tx1">
-                  <a:lumMod val="85000"/>
-                  <a:lumOff val="15000"/>
-                </a:schemeClr>
-              </a:solidFill>
-              <a:effectLst>
-                <a:outerShdw blurRad="38100" dist="38100" dir="2700000" algn="tl">
-                  <a:srgbClr val="000000">
-                    <a:alpha val="43137"/>
-                  </a:srgbClr>
-                </a:outerShdw>
-              </a:effectLst>
-              <a:latin typeface="Oxygen" panose="02000503000000000000" pitchFamily="2" charset="0"/>
-            </a:endParaRPr>
+              <a:t>Sequential Model Creation</a:t>
+            </a:r>
           </a:p>
         </p:txBody>
       </p:sp>
       <p:pic>
         <p:nvPicPr>
-          <p:cNvPr id="8" name="Picture 7" descr="A logo with a black background&#10;&#10;AI-generated content may be incorrect.">
-            <a:extLst>
-              <a:ext uri="{FF2B5EF4-FFF2-40B4-BE49-F238E27FC236}">
-                <a16:creationId xmlns:a16="http://schemas.microsoft.com/office/drawing/2014/main" id="{2EF04C5B-AAE1-85F3-F0E9-9CCA229ACE9E}"/>
+          <p:cNvPr id="6" name="Picture 5" descr="A logo with a black background&#10;&#10;AI-generated content may be incorrect.">
+            <a:extLst>
+              <a:ext uri="{FF2B5EF4-FFF2-40B4-BE49-F238E27FC236}">
+                <a16:creationId xmlns:a16="http://schemas.microsoft.com/office/drawing/2014/main" id="{F8E43652-C008-3D9C-899F-5E897C2C1205}"/>
               </a:ext>
             </a:extLst>
           </p:cNvPr>
@@ -4322,8 +4961,8 @@
         </p:blipFill>
         <p:spPr>
           <a:xfrm>
-            <a:off x="466077" y="291313"/>
-            <a:ext cx="1087593" cy="1087593"/>
+            <a:off x="800216" y="164278"/>
+            <a:ext cx="419314" cy="419314"/>
           </a:xfrm>
           <a:prstGeom prst="rect">
             <a:avLst/>
@@ -4332,10 +4971,10 @@
       </p:pic>
       <p:pic>
         <p:nvPicPr>
-          <p:cNvPr id="3" name="Picture 2">
-            <a:extLst>
-              <a:ext uri="{FF2B5EF4-FFF2-40B4-BE49-F238E27FC236}">
-                <a16:creationId xmlns:a16="http://schemas.microsoft.com/office/drawing/2014/main" id="{0A3BB025-B255-D20E-A876-C8B87118A67E}"/>
+          <p:cNvPr id="25" name="Picture 24">
+            <a:extLst>
+              <a:ext uri="{FF2B5EF4-FFF2-40B4-BE49-F238E27FC236}">
+                <a16:creationId xmlns:a16="http://schemas.microsoft.com/office/drawing/2014/main" id="{AA40ED32-9C36-C629-3B8D-CFF9406B8996}"/>
               </a:ext>
             </a:extLst>
           </p:cNvPr>
@@ -4346,100 +4985,26 @@
         </p:nvPicPr>
         <p:blipFill>
           <a:blip r:embed="rId3"/>
-          <a:srcRect l="3643" t="44444" r="44334" b="43226"/>
           <a:stretch>
             <a:fillRect/>
           </a:stretch>
         </p:blipFill>
         <p:spPr>
           <a:xfrm>
-            <a:off x="1000177" y="2429495"/>
-            <a:ext cx="4758132" cy="751804"/>
+            <a:off x="0" y="774742"/>
+            <a:ext cx="6166730" cy="3173346"/>
           </a:xfrm>
           <a:prstGeom prst="rect">
             <a:avLst/>
           </a:prstGeom>
         </p:spPr>
       </p:pic>
-      <p:sp>
-        <p:nvSpPr>
-          <p:cNvPr id="22" name="TextBox 21">
-            <a:extLst>
-              <a:ext uri="{FF2B5EF4-FFF2-40B4-BE49-F238E27FC236}">
-                <a16:creationId xmlns:a16="http://schemas.microsoft.com/office/drawing/2014/main" id="{1C5CF85B-9044-009E-5D5B-22D587102B19}"/>
-              </a:ext>
-            </a:extLst>
-          </p:cNvPr>
-          <p:cNvSpPr txBox="1"/>
-          <p:nvPr/>
-        </p:nvSpPr>
-        <p:spPr>
-          <a:xfrm>
-            <a:off x="7185332" y="2300171"/>
-            <a:ext cx="4033274" cy="957698"/>
-          </a:xfrm>
-          <a:prstGeom prst="rect">
-            <a:avLst/>
-          </a:prstGeom>
-          <a:noFill/>
-        </p:spPr>
-        <p:txBody>
-          <a:bodyPr wrap="square" rtlCol="0">
-            <a:spAutoFit/>
-          </a:bodyPr>
-          <a:lstStyle/>
-          <a:p>
-            <a:pPr marL="285750" indent="-285750">
-              <a:lnSpc>
-                <a:spcPct val="150000"/>
-              </a:lnSpc>
-              <a:buClr>
-                <a:srgbClr val="00266B"/>
-              </a:buClr>
-              <a:buSzPct val="150000"/>
-              <a:buFont typeface="Arial" panose="020B0604020202020204" pitchFamily="34" charset="0"/>
-              <a:buChar char="•"/>
-            </a:pPr>
-            <a:r>
-              <a:rPr lang="en-IN" sz="2000" b="1" dirty="0">
-                <a:solidFill>
-                  <a:srgbClr val="00266B"/>
-                </a:solidFill>
-                <a:latin typeface="Oxygen" panose="02000503000000000000" pitchFamily="2" charset="0"/>
-              </a:rPr>
-              <a:t>Simple, Straight-line model</a:t>
-            </a:r>
-          </a:p>
-          <a:p>
-            <a:pPr marL="285750" indent="-285750">
-              <a:lnSpc>
-                <a:spcPct val="150000"/>
-              </a:lnSpc>
-              <a:buClr>
-                <a:srgbClr val="00266B"/>
-              </a:buClr>
-              <a:buSzPct val="150000"/>
-              <a:buFont typeface="Arial" panose="020B0604020202020204" pitchFamily="34" charset="0"/>
-              <a:buChar char="•"/>
-            </a:pPr>
-            <a:r>
-              <a:rPr lang="en-IN" sz="2000" b="1" dirty="0">
-                <a:solidFill>
-                  <a:srgbClr val="00266B"/>
-                </a:solidFill>
-                <a:latin typeface="Oxygen" panose="02000503000000000000" pitchFamily="2" charset="0"/>
-              </a:rPr>
-              <a:t>Limited Customization</a:t>
-            </a:r>
-          </a:p>
-        </p:txBody>
-      </p:sp>
       <p:pic>
         <p:nvPicPr>
-          <p:cNvPr id="23" name="Picture 22">
-            <a:extLst>
-              <a:ext uri="{FF2B5EF4-FFF2-40B4-BE49-F238E27FC236}">
-                <a16:creationId xmlns:a16="http://schemas.microsoft.com/office/drawing/2014/main" id="{334D8DA5-0559-1214-168C-7E48E84C320C}"/>
+          <p:cNvPr id="31" name="Picture 30">
+            <a:extLst>
+              <a:ext uri="{FF2B5EF4-FFF2-40B4-BE49-F238E27FC236}">
+                <a16:creationId xmlns:a16="http://schemas.microsoft.com/office/drawing/2014/main" id="{C4B31139-3B1D-5807-4051-19DAD3A408BB}"/>
               </a:ext>
             </a:extLst>
           </p:cNvPr>
@@ -4450,231 +5015,54 @@
         </p:nvPicPr>
         <p:blipFill>
           <a:blip r:embed="rId4"/>
-          <a:srcRect l="13916" t="7692" r="17183" b="14128"/>
           <a:stretch>
             <a:fillRect/>
           </a:stretch>
         </p:blipFill>
         <p:spPr>
           <a:xfrm>
-            <a:off x="2107095" y="4470554"/>
-            <a:ext cx="2740208" cy="2072794"/>
+            <a:off x="6140448" y="765154"/>
+            <a:ext cx="6051551" cy="2434188"/>
           </a:xfrm>
           <a:prstGeom prst="rect">
             <a:avLst/>
           </a:prstGeom>
         </p:spPr>
       </p:pic>
-      <p:sp>
-        <p:nvSpPr>
-          <p:cNvPr id="24" name="TextBox 23">
-            <a:extLst>
-              <a:ext uri="{FF2B5EF4-FFF2-40B4-BE49-F238E27FC236}">
-                <a16:creationId xmlns:a16="http://schemas.microsoft.com/office/drawing/2014/main" id="{DB07ADA7-DB61-BA0A-EDC9-0D8F32B527F9}"/>
-              </a:ext>
-            </a:extLst>
-          </p:cNvPr>
-          <p:cNvSpPr txBox="1"/>
+      <p:pic>
+        <p:nvPicPr>
+          <p:cNvPr id="10" name="Picture 9">
+            <a:extLst>
+              <a:ext uri="{FF2B5EF4-FFF2-40B4-BE49-F238E27FC236}">
+                <a16:creationId xmlns:a16="http://schemas.microsoft.com/office/drawing/2014/main" id="{FC7A14CC-6CC2-FAEB-24C9-99B4C5F17F74}"/>
+              </a:ext>
+            </a:extLst>
+          </p:cNvPr>
+          <p:cNvPicPr>
+            <a:picLocks noChangeAspect="1"/>
+          </p:cNvPicPr>
           <p:nvPr/>
-        </p:nvSpPr>
+        </p:nvPicPr>
+        <p:blipFill>
+          <a:blip r:embed="rId5"/>
+          <a:stretch>
+            <a:fillRect/>
+          </a:stretch>
+        </p:blipFill>
         <p:spPr>
           <a:xfrm>
-            <a:off x="7185332" y="4797269"/>
-            <a:ext cx="3689146" cy="1419363"/>
+            <a:off x="6134512" y="3241476"/>
+            <a:ext cx="3800467" cy="3529365"/>
           </a:xfrm>
           <a:prstGeom prst="rect">
             <a:avLst/>
           </a:prstGeom>
-          <a:noFill/>
         </p:spPr>
-        <p:txBody>
-          <a:bodyPr wrap="square" rtlCol="0">
-            <a:spAutoFit/>
-          </a:bodyPr>
-          <a:lstStyle/>
-          <a:p>
-            <a:pPr marL="342900" indent="-342900">
-              <a:lnSpc>
-                <a:spcPct val="150000"/>
-              </a:lnSpc>
-              <a:buClr>
-                <a:srgbClr val="92D050"/>
-              </a:buClr>
-              <a:buSzPct val="150000"/>
-              <a:buFont typeface="Wingdings" panose="05000000000000000000" pitchFamily="2" charset="2"/>
-              <a:buChar char="ü"/>
-            </a:pPr>
-            <a:r>
-              <a:rPr lang="en-IN" sz="2000" b="1" dirty="0">
-                <a:solidFill>
-                  <a:srgbClr val="00266B"/>
-                </a:solidFill>
-                <a:latin typeface="Oxygen" panose="02000503000000000000" pitchFamily="2" charset="0"/>
-              </a:rPr>
-              <a:t>Functional API</a:t>
-            </a:r>
-          </a:p>
-          <a:p>
-            <a:pPr marL="342900" indent="-342900">
-              <a:lnSpc>
-                <a:spcPct val="150000"/>
-              </a:lnSpc>
-              <a:buClr>
-                <a:srgbClr val="92D050"/>
-              </a:buClr>
-              <a:buSzPct val="150000"/>
-              <a:buFont typeface="Wingdings" panose="05000000000000000000" pitchFamily="2" charset="2"/>
-              <a:buChar char="ü"/>
-            </a:pPr>
-            <a:r>
-              <a:rPr lang="en-IN" sz="2000" b="1" dirty="0">
-                <a:solidFill>
-                  <a:srgbClr val="00266B"/>
-                </a:solidFill>
-                <a:latin typeface="Oxygen" panose="02000503000000000000" pitchFamily="2" charset="0"/>
-              </a:rPr>
-              <a:t>Model Subclassing</a:t>
-            </a:r>
-          </a:p>
-          <a:p>
-            <a:pPr marL="342900" indent="-342900">
-              <a:lnSpc>
-                <a:spcPct val="150000"/>
-              </a:lnSpc>
-              <a:buClr>
-                <a:srgbClr val="92D050"/>
-              </a:buClr>
-              <a:buSzPct val="150000"/>
-              <a:buFont typeface="Wingdings" panose="05000000000000000000" pitchFamily="2" charset="2"/>
-              <a:buChar char="ü"/>
-            </a:pPr>
-            <a:r>
-              <a:rPr lang="en-IN" sz="2000" b="1" dirty="0">
-                <a:solidFill>
-                  <a:srgbClr val="00266B"/>
-                </a:solidFill>
-                <a:latin typeface="Oxygen" panose="02000503000000000000" pitchFamily="2" charset="0"/>
-              </a:rPr>
-              <a:t>Custom Layers</a:t>
-            </a:r>
-          </a:p>
-        </p:txBody>
-      </p:sp>
-      <p:sp>
-        <p:nvSpPr>
-          <p:cNvPr id="25" name="TextBox 24">
-            <a:extLst>
-              <a:ext uri="{FF2B5EF4-FFF2-40B4-BE49-F238E27FC236}">
-                <a16:creationId xmlns:a16="http://schemas.microsoft.com/office/drawing/2014/main" id="{4BD247EB-F018-DBD5-66DE-B8EA69352C41}"/>
-              </a:ext>
-            </a:extLst>
-          </p:cNvPr>
-          <p:cNvSpPr txBox="1"/>
-          <p:nvPr/>
-        </p:nvSpPr>
-        <p:spPr>
-          <a:xfrm>
-            <a:off x="4913415" y="1481404"/>
-            <a:ext cx="2365170" cy="576825"/>
-          </a:xfrm>
-          <a:prstGeom prst="rect">
-            <a:avLst/>
-          </a:prstGeom>
-          <a:noFill/>
-        </p:spPr>
-        <p:txBody>
-          <a:bodyPr wrap="square" rtlCol="0">
-            <a:spAutoFit/>
-          </a:bodyPr>
-          <a:lstStyle/>
-          <a:p>
-            <a:pPr>
-              <a:lnSpc>
-                <a:spcPct val="150000"/>
-              </a:lnSpc>
-              <a:buClr>
-                <a:srgbClr val="00266B"/>
-              </a:buClr>
-              <a:buSzPct val="150000"/>
-            </a:pPr>
-            <a:r>
-              <a:rPr lang="en-IN" sz="2400" b="1" dirty="0">
-                <a:solidFill>
-                  <a:schemeClr val="accent2"/>
-                </a:solidFill>
-                <a:latin typeface="Oxygen" panose="02000503000000000000" pitchFamily="2" charset="0"/>
-              </a:rPr>
-              <a:t>Sequential API</a:t>
-            </a:r>
-          </a:p>
-        </p:txBody>
-      </p:sp>
-      <p:sp>
-        <p:nvSpPr>
-          <p:cNvPr id="26" name="TextBox 25">
-            <a:extLst>
-              <a:ext uri="{FF2B5EF4-FFF2-40B4-BE49-F238E27FC236}">
-                <a16:creationId xmlns:a16="http://schemas.microsoft.com/office/drawing/2014/main" id="{46D45B3F-9F13-B893-C941-C44C5344B636}"/>
-              </a:ext>
-            </a:extLst>
-          </p:cNvPr>
-          <p:cNvSpPr txBox="1"/>
-          <p:nvPr/>
-        </p:nvSpPr>
-        <p:spPr>
-          <a:xfrm>
-            <a:off x="3786661" y="3734347"/>
-            <a:ext cx="4618678" cy="586443"/>
-          </a:xfrm>
-          <a:prstGeom prst="rect">
-            <a:avLst/>
-          </a:prstGeom>
-          <a:noFill/>
-        </p:spPr>
-        <p:txBody>
-          <a:bodyPr wrap="square" rtlCol="0">
-            <a:spAutoFit/>
-          </a:bodyPr>
-          <a:lstStyle/>
-          <a:p>
-            <a:pPr>
-              <a:lnSpc>
-                <a:spcPct val="150000"/>
-              </a:lnSpc>
-              <a:buClr>
-                <a:srgbClr val="00266B"/>
-              </a:buClr>
-              <a:buSzPct val="150000"/>
-            </a:pPr>
-            <a:r>
-              <a:rPr lang="en-IN" sz="2400" b="1" dirty="0">
-                <a:solidFill>
-                  <a:schemeClr val="accent2"/>
-                </a:solidFill>
-                <a:latin typeface="Oxygen" panose="02000503000000000000" pitchFamily="2" charset="0"/>
-              </a:rPr>
-              <a:t>Advanced</a:t>
-            </a:r>
-            <a:r>
-              <a:rPr lang="en-IN" sz="2400" dirty="0"/>
-              <a:t> </a:t>
-            </a:r>
-            <a:r>
-              <a:rPr lang="en-IN" sz="2400" b="1" dirty="0">
-                <a:solidFill>
-                  <a:schemeClr val="accent2"/>
-                </a:solidFill>
-                <a:latin typeface="Oxygen" panose="02000503000000000000" pitchFamily="2" charset="0"/>
-              </a:rPr>
-              <a:t>Model-building APIs</a:t>
-            </a:r>
-          </a:p>
-        </p:txBody>
-      </p:sp>
+      </p:pic>
     </p:spTree>
     <p:extLst>
       <p:ext uri="{BB962C8B-B14F-4D97-AF65-F5344CB8AC3E}">
-        <p14:creationId xmlns:p14="http://schemas.microsoft.com/office/powerpoint/2010/main" val="1232508662"/>
+        <p14:creationId xmlns:p14="http://schemas.microsoft.com/office/powerpoint/2010/main" val="475850145"/>
       </p:ext>
     </p:extLst>
   </p:cSld>
@@ -4684,7 +5072,407 @@
 </p:sld>
 </file>
 
-<file path=ppt/slides/slide2.xml><?xml version="1.0" encoding="utf-8"?>
+<file path=ppt/slides/slide3.xml><?xml version="1.0" encoding="utf-8"?>
+<p:sld xmlns:a="http://schemas.openxmlformats.org/drawingml/2006/main" xmlns:r="http://schemas.openxmlformats.org/officeDocument/2006/relationships" xmlns:p="http://schemas.openxmlformats.org/presentationml/2006/main">
+  <p:cSld>
+    <p:spTree>
+      <p:nvGrpSpPr>
+        <p:cNvPr id="1" name="">
+          <a:extLst>
+            <a:ext uri="{FF2B5EF4-FFF2-40B4-BE49-F238E27FC236}">
+              <a16:creationId xmlns:a16="http://schemas.microsoft.com/office/drawing/2014/main" id="{AB16D45E-9BE5-EBEC-854E-AAA158B8B772}"/>
+            </a:ext>
+          </a:extLst>
+        </p:cNvPr>
+        <p:cNvGrpSpPr/>
+        <p:nvPr/>
+      </p:nvGrpSpPr>
+      <p:grpSpPr>
+        <a:xfrm>
+          <a:off x="0" y="0"/>
+          <a:ext cx="0" cy="0"/>
+          <a:chOff x="0" y="0"/>
+          <a:chExt cx="0" cy="0"/>
+        </a:xfrm>
+      </p:grpSpPr>
+      <p:sp>
+        <p:nvSpPr>
+          <p:cNvPr id="5" name="TextBox 4">
+            <a:extLst>
+              <a:ext uri="{FF2B5EF4-FFF2-40B4-BE49-F238E27FC236}">
+                <a16:creationId xmlns:a16="http://schemas.microsoft.com/office/drawing/2014/main" id="{C2AFDFF4-E1E8-4C77-9EC9-6547DB8D609E}"/>
+              </a:ext>
+            </a:extLst>
+          </p:cNvPr>
+          <p:cNvSpPr txBox="1"/>
+          <p:nvPr/>
+        </p:nvSpPr>
+        <p:spPr>
+          <a:xfrm>
+            <a:off x="1770174" y="71561"/>
+            <a:ext cx="9746892" cy="584775"/>
+          </a:xfrm>
+          <a:prstGeom prst="rect">
+            <a:avLst/>
+          </a:prstGeom>
+          <a:noFill/>
+        </p:spPr>
+        <p:txBody>
+          <a:bodyPr wrap="square">
+            <a:spAutoFit/>
+          </a:bodyPr>
+          <a:lstStyle/>
+          <a:p>
+            <a:pPr algn="just"/>
+            <a:r>
+              <a:rPr lang="en-US" sz="3200" b="1" cap="small" dirty="0">
+                <a:solidFill>
+                  <a:schemeClr val="tx1">
+                    <a:lumMod val="85000"/>
+                    <a:lumOff val="15000"/>
+                  </a:schemeClr>
+                </a:solidFill>
+                <a:effectLst>
+                  <a:outerShdw blurRad="38100" dist="38100" dir="2700000" algn="tl">
+                    <a:srgbClr val="000000">
+                      <a:alpha val="43137"/>
+                    </a:srgbClr>
+                  </a:outerShdw>
+                </a:effectLst>
+                <a:latin typeface="Oxygen" panose="02000503000000000000" pitchFamily="2" charset="0"/>
+              </a:rPr>
+              <a:t>Functional Model Creation</a:t>
+            </a:r>
+          </a:p>
+        </p:txBody>
+      </p:sp>
+      <p:pic>
+        <p:nvPicPr>
+          <p:cNvPr id="6" name="Picture 5" descr="A logo with a black background&#10;&#10;AI-generated content may be incorrect.">
+            <a:extLst>
+              <a:ext uri="{FF2B5EF4-FFF2-40B4-BE49-F238E27FC236}">
+                <a16:creationId xmlns:a16="http://schemas.microsoft.com/office/drawing/2014/main" id="{45E8318F-2B77-4B09-B531-388353FD4F53}"/>
+              </a:ext>
+            </a:extLst>
+          </p:cNvPr>
+          <p:cNvPicPr>
+            <a:picLocks noChangeAspect="1"/>
+          </p:cNvPicPr>
+          <p:nvPr/>
+        </p:nvPicPr>
+        <p:blipFill>
+          <a:blip r:embed="rId2">
+            <a:extLst>
+              <a:ext uri="{28A0092B-C50C-407E-A947-70E740481C1C}">
+                <a14:useLocalDpi xmlns:a14="http://schemas.microsoft.com/office/drawing/2010/main" val="0"/>
+              </a:ext>
+            </a:extLst>
+          </a:blip>
+          <a:stretch>
+            <a:fillRect/>
+          </a:stretch>
+        </p:blipFill>
+        <p:spPr>
+          <a:xfrm>
+            <a:off x="263208" y="112298"/>
+            <a:ext cx="507370" cy="507370"/>
+          </a:xfrm>
+          <a:prstGeom prst="rect">
+            <a:avLst/>
+          </a:prstGeom>
+        </p:spPr>
+      </p:pic>
+      <p:pic>
+        <p:nvPicPr>
+          <p:cNvPr id="25" name="Picture 24">
+            <a:extLst>
+              <a:ext uri="{FF2B5EF4-FFF2-40B4-BE49-F238E27FC236}">
+                <a16:creationId xmlns:a16="http://schemas.microsoft.com/office/drawing/2014/main" id="{7669D8B2-AA48-F0E3-3702-E194D332CB61}"/>
+              </a:ext>
+            </a:extLst>
+          </p:cNvPr>
+          <p:cNvPicPr>
+            <a:picLocks noChangeAspect="1"/>
+          </p:cNvPicPr>
+          <p:nvPr/>
+        </p:nvPicPr>
+        <p:blipFill>
+          <a:blip r:embed="rId3"/>
+          <a:stretch>
+            <a:fillRect/>
+          </a:stretch>
+        </p:blipFill>
+        <p:spPr>
+          <a:xfrm>
+            <a:off x="20898" y="3180360"/>
+            <a:ext cx="6166730" cy="3173346"/>
+          </a:xfrm>
+          <a:prstGeom prst="rect">
+            <a:avLst/>
+          </a:prstGeom>
+        </p:spPr>
+      </p:pic>
+      <p:pic>
+        <p:nvPicPr>
+          <p:cNvPr id="7" name="Picture 6">
+            <a:extLst>
+              <a:ext uri="{FF2B5EF4-FFF2-40B4-BE49-F238E27FC236}">
+                <a16:creationId xmlns:a16="http://schemas.microsoft.com/office/drawing/2014/main" id="{87241415-8A38-366B-5216-26AD698788E9}"/>
+              </a:ext>
+            </a:extLst>
+          </p:cNvPr>
+          <p:cNvPicPr>
+            <a:picLocks noChangeAspect="1"/>
+          </p:cNvPicPr>
+          <p:nvPr/>
+        </p:nvPicPr>
+        <p:blipFill>
+          <a:blip r:embed="rId4"/>
+          <a:stretch>
+            <a:fillRect/>
+          </a:stretch>
+        </p:blipFill>
+        <p:spPr>
+          <a:xfrm>
+            <a:off x="5486400" y="619668"/>
+            <a:ext cx="6624981" cy="2696024"/>
+          </a:xfrm>
+          <a:prstGeom prst="rect">
+            <a:avLst/>
+          </a:prstGeom>
+        </p:spPr>
+      </p:pic>
+      <p:sp>
+        <p:nvSpPr>
+          <p:cNvPr id="8" name="Rectangle 7">
+            <a:extLst>
+              <a:ext uri="{FF2B5EF4-FFF2-40B4-BE49-F238E27FC236}">
+                <a16:creationId xmlns:a16="http://schemas.microsoft.com/office/drawing/2014/main" id="{5339D6ED-F189-5087-58F8-DDAA09DADC0B}"/>
+              </a:ext>
+            </a:extLst>
+          </p:cNvPr>
+          <p:cNvSpPr/>
+          <p:nvPr/>
+        </p:nvSpPr>
+        <p:spPr>
+          <a:xfrm>
+            <a:off x="20898" y="3180360"/>
+            <a:ext cx="6166730" cy="3173346"/>
+          </a:xfrm>
+          <a:prstGeom prst="rect">
+            <a:avLst/>
+          </a:prstGeom>
+          <a:solidFill>
+            <a:srgbClr val="FF0000">
+              <a:alpha val="5000"/>
+            </a:srgbClr>
+          </a:solidFill>
+          <a:ln>
+            <a:noFill/>
+          </a:ln>
+        </p:spPr>
+        <p:style>
+          <a:lnRef idx="2">
+            <a:schemeClr val="accent1">
+              <a:shade val="15000"/>
+            </a:schemeClr>
+          </a:lnRef>
+          <a:fillRef idx="1">
+            <a:schemeClr val="accent1"/>
+          </a:fillRef>
+          <a:effectRef idx="0">
+            <a:schemeClr val="accent1"/>
+          </a:effectRef>
+          <a:fontRef idx="minor">
+            <a:schemeClr val="lt1"/>
+          </a:fontRef>
+        </p:style>
+        <p:txBody>
+          <a:bodyPr rtlCol="0" anchor="ctr"/>
+          <a:lstStyle/>
+          <a:p>
+            <a:pPr algn="ctr"/>
+            <a:endParaRPr lang="en-US"/>
+          </a:p>
+        </p:txBody>
+      </p:sp>
+      <p:pic>
+        <p:nvPicPr>
+          <p:cNvPr id="13" name="Picture 12">
+            <a:extLst>
+              <a:ext uri="{FF2B5EF4-FFF2-40B4-BE49-F238E27FC236}">
+                <a16:creationId xmlns:a16="http://schemas.microsoft.com/office/drawing/2014/main" id="{BC2E8717-B4E7-E25A-B606-2C3CBE0BDF46}"/>
+              </a:ext>
+            </a:extLst>
+          </p:cNvPr>
+          <p:cNvPicPr>
+            <a:picLocks noChangeAspect="1"/>
+          </p:cNvPicPr>
+          <p:nvPr/>
+        </p:nvPicPr>
+        <p:blipFill>
+          <a:blip r:embed="rId5"/>
+          <a:stretch>
+            <a:fillRect/>
+          </a:stretch>
+        </p:blipFill>
+        <p:spPr>
+          <a:xfrm>
+            <a:off x="5411635" y="3185653"/>
+            <a:ext cx="6760017" cy="3589968"/>
+          </a:xfrm>
+          <a:prstGeom prst="rect">
+            <a:avLst/>
+          </a:prstGeom>
+        </p:spPr>
+      </p:pic>
+      <p:sp>
+        <p:nvSpPr>
+          <p:cNvPr id="11" name="Rectangle 10">
+            <a:extLst>
+              <a:ext uri="{FF2B5EF4-FFF2-40B4-BE49-F238E27FC236}">
+                <a16:creationId xmlns:a16="http://schemas.microsoft.com/office/drawing/2014/main" id="{0D9D0634-69EF-1FFF-6368-12008F1E85B5}"/>
+              </a:ext>
+            </a:extLst>
+          </p:cNvPr>
+          <p:cNvSpPr/>
+          <p:nvPr/>
+        </p:nvSpPr>
+        <p:spPr>
+          <a:xfrm>
+            <a:off x="5414558" y="3184534"/>
+            <a:ext cx="6756817" cy="3583383"/>
+          </a:xfrm>
+          <a:prstGeom prst="rect">
+            <a:avLst/>
+          </a:prstGeom>
+          <a:solidFill>
+            <a:srgbClr val="00B050">
+              <a:alpha val="5000"/>
+            </a:srgbClr>
+          </a:solidFill>
+          <a:ln>
+            <a:noFill/>
+          </a:ln>
+        </p:spPr>
+        <p:style>
+          <a:lnRef idx="2">
+            <a:schemeClr val="accent1">
+              <a:shade val="15000"/>
+            </a:schemeClr>
+          </a:lnRef>
+          <a:fillRef idx="1">
+            <a:schemeClr val="accent1"/>
+          </a:fillRef>
+          <a:effectRef idx="0">
+            <a:schemeClr val="accent1"/>
+          </a:effectRef>
+          <a:fontRef idx="minor">
+            <a:schemeClr val="lt1"/>
+          </a:fontRef>
+        </p:style>
+        <p:txBody>
+          <a:bodyPr rtlCol="0" anchor="ctr"/>
+          <a:lstStyle/>
+          <a:p>
+            <a:pPr algn="ctr"/>
+            <a:endParaRPr lang="en-US"/>
+          </a:p>
+        </p:txBody>
+      </p:sp>
+      <p:sp>
+        <p:nvSpPr>
+          <p:cNvPr id="14" name="TextBox 13">
+            <a:extLst>
+              <a:ext uri="{FF2B5EF4-FFF2-40B4-BE49-F238E27FC236}">
+                <a16:creationId xmlns:a16="http://schemas.microsoft.com/office/drawing/2014/main" id="{3D53F2AA-9680-C096-23FA-5026094E164D}"/>
+              </a:ext>
+            </a:extLst>
+          </p:cNvPr>
+          <p:cNvSpPr txBox="1"/>
+          <p:nvPr/>
+        </p:nvSpPr>
+        <p:spPr>
+          <a:xfrm>
+            <a:off x="838944" y="1056205"/>
+            <a:ext cx="4647456" cy="1702197"/>
+          </a:xfrm>
+          <a:prstGeom prst="rect">
+            <a:avLst/>
+          </a:prstGeom>
+          <a:noFill/>
+        </p:spPr>
+        <p:txBody>
+          <a:bodyPr wrap="square" rtlCol="0">
+            <a:spAutoFit/>
+          </a:bodyPr>
+          <a:lstStyle/>
+          <a:p>
+            <a:pPr marL="342900" indent="-342900">
+              <a:lnSpc>
+                <a:spcPct val="150000"/>
+              </a:lnSpc>
+              <a:buClr>
+                <a:srgbClr val="00266B"/>
+              </a:buClr>
+              <a:buSzPct val="150000"/>
+              <a:buFont typeface="Wingdings" panose="05000000000000000000" pitchFamily="2" charset="2"/>
+              <a:buChar char="v"/>
+            </a:pPr>
+            <a:r>
+              <a:rPr lang="en-IN" b="1" dirty="0">
+                <a:solidFill>
+                  <a:schemeClr val="tx1">
+                    <a:lumMod val="65000"/>
+                    <a:lumOff val="35000"/>
+                  </a:schemeClr>
+                </a:solidFill>
+                <a:latin typeface="Oxygen" panose="02000503000000000000" pitchFamily="2" charset="0"/>
+              </a:rPr>
+              <a:t>Each layer is created by a function call</a:t>
+            </a:r>
+          </a:p>
+          <a:p>
+            <a:pPr marL="342900" indent="-342900">
+              <a:lnSpc>
+                <a:spcPct val="150000"/>
+              </a:lnSpc>
+              <a:buClr>
+                <a:srgbClr val="00266B"/>
+              </a:buClr>
+              <a:buSzPct val="150000"/>
+              <a:buFont typeface="Wingdings" panose="05000000000000000000" pitchFamily="2" charset="2"/>
+              <a:buChar char="v"/>
+            </a:pPr>
+            <a:r>
+              <a:rPr lang="en-IN" b="1" dirty="0">
+                <a:solidFill>
+                  <a:schemeClr val="tx1">
+                    <a:lumMod val="65000"/>
+                    <a:lumOff val="35000"/>
+                  </a:schemeClr>
+                </a:solidFill>
+                <a:latin typeface="Oxygen" panose="02000503000000000000" pitchFamily="2" charset="0"/>
+              </a:rPr>
+              <a:t>Previous layers are passed in as the function’s parameters</a:t>
+            </a:r>
+          </a:p>
+        </p:txBody>
+      </p:sp>
+    </p:spTree>
+    <p:extLst>
+      <p:ext uri="{BB962C8B-B14F-4D97-AF65-F5344CB8AC3E}">
+        <p14:creationId xmlns:p14="http://schemas.microsoft.com/office/powerpoint/2010/main" val="3405465006"/>
+      </p:ext>
+    </p:extLst>
+  </p:cSld>
+  <p:clrMapOvr>
+    <a:masterClrMapping/>
+  </p:clrMapOvr>
+</p:sld>
+</file>
+
+<file path=ppt/slides/slide4.xml><?xml version="1.0" encoding="utf-8"?>
 <p:sld xmlns:a="http://schemas.openxmlformats.org/drawingml/2006/main" xmlns:r="http://schemas.openxmlformats.org/officeDocument/2006/relationships" xmlns:p="http://schemas.openxmlformats.org/presentationml/2006/main">
   <p:cSld>
     <p:spTree>
@@ -5836,7 +6624,7 @@
 </p:sld>
 </file>
 
-<file path=ppt/slides/slide3.xml><?xml version="1.0" encoding="utf-8"?>
+<file path=ppt/slides/slide5.xml><?xml version="1.0" encoding="utf-8"?>
 <p:sld xmlns:a="http://schemas.openxmlformats.org/drawingml/2006/main" xmlns:r="http://schemas.openxmlformats.org/officeDocument/2006/relationships" xmlns:p="http://schemas.openxmlformats.org/presentationml/2006/main">
   <p:cSld>
     <p:spTree>
@@ -6101,270 +6889,6 @@
     <p:extLst>
       <p:ext uri="{BB962C8B-B14F-4D97-AF65-F5344CB8AC3E}">
         <p14:creationId xmlns:p14="http://schemas.microsoft.com/office/powerpoint/2010/main" val="1271768304"/>
-      </p:ext>
-    </p:extLst>
-  </p:cSld>
-  <p:clrMapOvr>
-    <a:masterClrMapping/>
-  </p:clrMapOvr>
-</p:sld>
-</file>
-
-<file path=ppt/slides/slide4.xml><?xml version="1.0" encoding="utf-8"?>
-<p:sld xmlns:a="http://schemas.openxmlformats.org/drawingml/2006/main" xmlns:r="http://schemas.openxmlformats.org/officeDocument/2006/relationships" xmlns:p="http://schemas.openxmlformats.org/presentationml/2006/main">
-  <p:cSld>
-    <p:spTree>
-      <p:nvGrpSpPr>
-        <p:cNvPr id="1" name="">
-          <a:extLst>
-            <a:ext uri="{FF2B5EF4-FFF2-40B4-BE49-F238E27FC236}">
-              <a16:creationId xmlns:a16="http://schemas.microsoft.com/office/drawing/2014/main" id="{159431CA-C81C-C4D2-BBED-D8A648993BF9}"/>
-            </a:ext>
-          </a:extLst>
-        </p:cNvPr>
-        <p:cNvGrpSpPr/>
-        <p:nvPr/>
-      </p:nvGrpSpPr>
-      <p:grpSpPr>
-        <a:xfrm>
-          <a:off x="0" y="0"/>
-          <a:ext cx="0" cy="0"/>
-          <a:chOff x="0" y="0"/>
-          <a:chExt cx="0" cy="0"/>
-        </a:xfrm>
-      </p:grpSpPr>
-      <p:sp>
-        <p:nvSpPr>
-          <p:cNvPr id="6" name="TextBox 5">
-            <a:extLst>
-              <a:ext uri="{FF2B5EF4-FFF2-40B4-BE49-F238E27FC236}">
-                <a16:creationId xmlns:a16="http://schemas.microsoft.com/office/drawing/2014/main" id="{77EC9DEB-D624-5AB0-A217-10B8A1083CC2}"/>
-              </a:ext>
-            </a:extLst>
-          </p:cNvPr>
-          <p:cNvSpPr txBox="1"/>
-          <p:nvPr/>
-        </p:nvSpPr>
-        <p:spPr>
-          <a:xfrm>
-            <a:off x="2107095" y="405518"/>
-            <a:ext cx="9358685" cy="769441"/>
-          </a:xfrm>
-          <a:prstGeom prst="rect">
-            <a:avLst/>
-          </a:prstGeom>
-          <a:noFill/>
-        </p:spPr>
-        <p:txBody>
-          <a:bodyPr wrap="square">
-            <a:spAutoFit/>
-          </a:bodyPr>
-          <a:lstStyle/>
-          <a:p>
-            <a:pPr algn="just"/>
-            <a:r>
-              <a:rPr lang="en-US" sz="4400" b="1" cap="small" dirty="0">
-                <a:solidFill>
-                  <a:schemeClr val="tx1">
-                    <a:lumMod val="85000"/>
-                    <a:lumOff val="15000"/>
-                  </a:schemeClr>
-                </a:solidFill>
-                <a:effectLst>
-                  <a:outerShdw blurRad="38100" dist="38100" dir="2700000" algn="tl">
-                    <a:srgbClr val="000000">
-                      <a:alpha val="43137"/>
-                    </a:srgbClr>
-                  </a:outerShdw>
-                </a:effectLst>
-                <a:latin typeface="Oxygen" panose="02000503000000000000" pitchFamily="2" charset="0"/>
-              </a:rPr>
-              <a:t>Same Accuracy, More Flexibility</a:t>
-            </a:r>
-          </a:p>
-        </p:txBody>
-      </p:sp>
-      <p:pic>
-        <p:nvPicPr>
-          <p:cNvPr id="8" name="Picture 7" descr="A logo with a black background&#10;&#10;AI-generated content may be incorrect.">
-            <a:extLst>
-              <a:ext uri="{FF2B5EF4-FFF2-40B4-BE49-F238E27FC236}">
-                <a16:creationId xmlns:a16="http://schemas.microsoft.com/office/drawing/2014/main" id="{64B7687C-2297-D063-DD09-1FF9212A5464}"/>
-              </a:ext>
-            </a:extLst>
-          </p:cNvPr>
-          <p:cNvPicPr>
-            <a:picLocks noChangeAspect="1"/>
-          </p:cNvPicPr>
-          <p:nvPr/>
-        </p:nvPicPr>
-        <p:blipFill>
-          <a:blip r:embed="rId2">
-            <a:extLst>
-              <a:ext uri="{28A0092B-C50C-407E-A947-70E740481C1C}">
-                <a14:useLocalDpi xmlns:a14="http://schemas.microsoft.com/office/drawing/2010/main" val="0"/>
-              </a:ext>
-            </a:extLst>
-          </a:blip>
-          <a:stretch>
-            <a:fillRect/>
-          </a:stretch>
-        </p:blipFill>
-        <p:spPr>
-          <a:xfrm>
-            <a:off x="466077" y="291313"/>
-            <a:ext cx="1087593" cy="1087593"/>
-          </a:xfrm>
-          <a:prstGeom prst="rect">
-            <a:avLst/>
-          </a:prstGeom>
-        </p:spPr>
-      </p:pic>
-      <p:grpSp>
-        <p:nvGrpSpPr>
-          <p:cNvPr id="10" name="Group 9">
-            <a:extLst>
-              <a:ext uri="{FF2B5EF4-FFF2-40B4-BE49-F238E27FC236}">
-                <a16:creationId xmlns:a16="http://schemas.microsoft.com/office/drawing/2014/main" id="{BE99DCE0-9E93-511C-389C-584E3B348FB2}"/>
-              </a:ext>
-            </a:extLst>
-          </p:cNvPr>
-          <p:cNvGrpSpPr/>
-          <p:nvPr/>
-        </p:nvGrpSpPr>
-        <p:grpSpPr>
-          <a:xfrm>
-            <a:off x="1906105" y="1818640"/>
-            <a:ext cx="8379790" cy="4380345"/>
-            <a:chOff x="1906105" y="1818640"/>
-            <a:chExt cx="8379790" cy="4380345"/>
-          </a:xfrm>
-        </p:grpSpPr>
-        <p:pic>
-          <p:nvPicPr>
-            <p:cNvPr id="5" name="Picture 4">
-              <a:extLst>
-                <a:ext uri="{FF2B5EF4-FFF2-40B4-BE49-F238E27FC236}">
-                  <a16:creationId xmlns:a16="http://schemas.microsoft.com/office/drawing/2014/main" id="{EBCCE0F7-BCAF-4B66-3F13-67DBA7C70B07}"/>
-                </a:ext>
-              </a:extLst>
-            </p:cNvPr>
-            <p:cNvPicPr>
-              <a:picLocks noChangeAspect="1"/>
-            </p:cNvPicPr>
-            <p:nvPr/>
-          </p:nvPicPr>
-          <p:blipFill>
-            <a:blip r:embed="rId3">
-              <a:extLst>
-                <a:ext uri="{28A0092B-C50C-407E-A947-70E740481C1C}">
-                  <a14:useLocalDpi xmlns:a14="http://schemas.microsoft.com/office/drawing/2010/main" val="0"/>
-                </a:ext>
-              </a:extLst>
-            </a:blip>
-            <a:stretch>
-              <a:fillRect/>
-            </a:stretch>
-          </p:blipFill>
-          <p:spPr>
-            <a:xfrm>
-              <a:off x="1906105" y="1818640"/>
-              <a:ext cx="8379790" cy="4380345"/>
-            </a:xfrm>
-            <a:prstGeom prst="rect">
-              <a:avLst/>
-            </a:prstGeom>
-          </p:spPr>
-        </p:pic>
-        <p:sp>
-          <p:nvSpPr>
-            <p:cNvPr id="7" name="TextBox 6">
-              <a:extLst>
-                <a:ext uri="{FF2B5EF4-FFF2-40B4-BE49-F238E27FC236}">
-                  <a16:creationId xmlns:a16="http://schemas.microsoft.com/office/drawing/2014/main" id="{81850725-D68D-D912-F67B-AA9FBE3F563A}"/>
-                </a:ext>
-              </a:extLst>
-            </p:cNvPr>
-            <p:cNvSpPr txBox="1"/>
-            <p:nvPr/>
-          </p:nvSpPr>
-          <p:spPr>
-            <a:xfrm>
-              <a:off x="4338320" y="3254494"/>
-              <a:ext cx="1442720" cy="307777"/>
-            </a:xfrm>
-            <a:prstGeom prst="rect">
-              <a:avLst/>
-            </a:prstGeom>
-            <a:solidFill>
-              <a:srgbClr val="DEE1E3"/>
-            </a:solidFill>
-            <a:ln>
-              <a:noFill/>
-            </a:ln>
-          </p:spPr>
-          <p:txBody>
-            <a:bodyPr wrap="square" rtlCol="0">
-              <a:spAutoFit/>
-            </a:bodyPr>
-            <a:lstStyle/>
-            <a:p>
-              <a:r>
-                <a:rPr lang="en-IN" sz="1400" dirty="0">
-                  <a:latin typeface="Oxygen" panose="02000503000000000000" pitchFamily="2" charset="0"/>
-                </a:rPr>
-                <a:t>Sequential API</a:t>
-              </a:r>
-            </a:p>
-          </p:txBody>
-        </p:sp>
-        <p:sp>
-          <p:nvSpPr>
-            <p:cNvPr id="9" name="TextBox 8">
-              <a:extLst>
-                <a:ext uri="{FF2B5EF4-FFF2-40B4-BE49-F238E27FC236}">
-                  <a16:creationId xmlns:a16="http://schemas.microsoft.com/office/drawing/2014/main" id="{2B1C9BE4-3A2C-87E8-9C55-720ABCBD2393}"/>
-                </a:ext>
-              </a:extLst>
-            </p:cNvPr>
-            <p:cNvSpPr txBox="1"/>
-            <p:nvPr/>
-          </p:nvSpPr>
-          <p:spPr>
-            <a:xfrm>
-              <a:off x="6918960" y="2990334"/>
-              <a:ext cx="1442720" cy="738664"/>
-            </a:xfrm>
-            <a:prstGeom prst="rect">
-              <a:avLst/>
-            </a:prstGeom>
-            <a:solidFill>
-              <a:srgbClr val="C3E0EB"/>
-            </a:solidFill>
-            <a:ln>
-              <a:noFill/>
-            </a:ln>
-          </p:spPr>
-          <p:txBody>
-            <a:bodyPr wrap="square" rtlCol="0">
-              <a:spAutoFit/>
-            </a:bodyPr>
-            <a:lstStyle/>
-            <a:p>
-              <a:r>
-                <a:rPr lang="en-IN" sz="1400" dirty="0">
-                  <a:latin typeface="Oxygen" panose="02000503000000000000" pitchFamily="2" charset="0"/>
-                </a:rPr>
-                <a:t>Functional API, Subclassing, Custom layers</a:t>
-              </a:r>
-            </a:p>
-          </p:txBody>
-        </p:sp>
-      </p:grpSp>
-    </p:spTree>
-    <p:extLst>
-      <p:ext uri="{BB962C8B-B14F-4D97-AF65-F5344CB8AC3E}">
-        <p14:creationId xmlns:p14="http://schemas.microsoft.com/office/powerpoint/2010/main" val="3842289955"/>
       </p:ext>
     </p:extLst>
   </p:cSld>

--- a/07NuralNetworks/TF/002MalariaProject/ProjectReport/Vid 2 - Functional API, Model Subclassing & Custom Layers.pptx
+++ b/07NuralNetworks/TF/002MalariaProject/ProjectReport/Vid 2 - Functional API, Model Subclassing & Custom Layers.pptx
@@ -1136,7 +1136,7 @@
           <a:p>
             <a:fld id="{1B04A521-ABE9-4937-B660-EA2BE84D7C65}" type="datetimeFigureOut">
               <a:rPr lang="en-IN" smtClean="0"/>
-              <a:t>06-09-2025</a:t>
+              <a:t>08-09-2025</a:t>
             </a:fld>
             <a:endParaRPr lang="en-IN"/>
           </a:p>
@@ -1336,7 +1336,7 @@
           <a:p>
             <a:fld id="{1B04A521-ABE9-4937-B660-EA2BE84D7C65}" type="datetimeFigureOut">
               <a:rPr lang="en-IN" smtClean="0"/>
-              <a:t>06-09-2025</a:t>
+              <a:t>08-09-2025</a:t>
             </a:fld>
             <a:endParaRPr lang="en-IN"/>
           </a:p>
@@ -1546,7 +1546,7 @@
           <a:p>
             <a:fld id="{1B04A521-ABE9-4937-B660-EA2BE84D7C65}" type="datetimeFigureOut">
               <a:rPr lang="en-IN" smtClean="0"/>
-              <a:t>06-09-2025</a:t>
+              <a:t>08-09-2025</a:t>
             </a:fld>
             <a:endParaRPr lang="en-IN"/>
           </a:p>
@@ -1746,7 +1746,7 @@
           <a:p>
             <a:fld id="{1B04A521-ABE9-4937-B660-EA2BE84D7C65}" type="datetimeFigureOut">
               <a:rPr lang="en-IN" smtClean="0"/>
-              <a:t>06-09-2025</a:t>
+              <a:t>08-09-2025</a:t>
             </a:fld>
             <a:endParaRPr lang="en-IN"/>
           </a:p>
@@ -2022,7 +2022,7 @@
           <a:p>
             <a:fld id="{1B04A521-ABE9-4937-B660-EA2BE84D7C65}" type="datetimeFigureOut">
               <a:rPr lang="en-IN" smtClean="0"/>
-              <a:t>06-09-2025</a:t>
+              <a:t>08-09-2025</a:t>
             </a:fld>
             <a:endParaRPr lang="en-IN"/>
           </a:p>
@@ -2290,7 +2290,7 @@
           <a:p>
             <a:fld id="{1B04A521-ABE9-4937-B660-EA2BE84D7C65}" type="datetimeFigureOut">
               <a:rPr lang="en-IN" smtClean="0"/>
-              <a:t>06-09-2025</a:t>
+              <a:t>08-09-2025</a:t>
             </a:fld>
             <a:endParaRPr lang="en-IN"/>
           </a:p>
@@ -2705,7 +2705,7 @@
           <a:p>
             <a:fld id="{1B04A521-ABE9-4937-B660-EA2BE84D7C65}" type="datetimeFigureOut">
               <a:rPr lang="en-IN" smtClean="0"/>
-              <a:t>06-09-2025</a:t>
+              <a:t>08-09-2025</a:t>
             </a:fld>
             <a:endParaRPr lang="en-IN"/>
           </a:p>
@@ -2847,7 +2847,7 @@
           <a:p>
             <a:fld id="{1B04A521-ABE9-4937-B660-EA2BE84D7C65}" type="datetimeFigureOut">
               <a:rPr lang="en-IN" smtClean="0"/>
-              <a:t>06-09-2025</a:t>
+              <a:t>08-09-2025</a:t>
             </a:fld>
             <a:endParaRPr lang="en-IN"/>
           </a:p>
@@ -2960,7 +2960,7 @@
           <a:p>
             <a:fld id="{1B04A521-ABE9-4937-B660-EA2BE84D7C65}" type="datetimeFigureOut">
               <a:rPr lang="en-IN" smtClean="0"/>
-              <a:t>06-09-2025</a:t>
+              <a:t>08-09-2025</a:t>
             </a:fld>
             <a:endParaRPr lang="en-IN"/>
           </a:p>
@@ -3273,7 +3273,7 @@
           <a:p>
             <a:fld id="{1B04A521-ABE9-4937-B660-EA2BE84D7C65}" type="datetimeFigureOut">
               <a:rPr lang="en-IN" smtClean="0"/>
-              <a:t>06-09-2025</a:t>
+              <a:t>08-09-2025</a:t>
             </a:fld>
             <a:endParaRPr lang="en-IN"/>
           </a:p>
@@ -3562,7 +3562,7 @@
           <a:p>
             <a:fld id="{1B04A521-ABE9-4937-B660-EA2BE84D7C65}" type="datetimeFigureOut">
               <a:rPr lang="en-IN" smtClean="0"/>
-              <a:t>06-09-2025</a:t>
+              <a:t>08-09-2025</a:t>
             </a:fld>
             <a:endParaRPr lang="en-IN"/>
           </a:p>
@@ -3805,7 +3805,7 @@
           <a:p>
             <a:fld id="{1B04A521-ABE9-4937-B660-EA2BE84D7C65}" type="datetimeFigureOut">
               <a:rPr lang="en-IN" smtClean="0"/>
-              <a:t>06-09-2025</a:t>
+              <a:t>08-09-2025</a:t>
             </a:fld>
             <a:endParaRPr lang="en-IN"/>
           </a:p>
@@ -4971,10 +4971,10 @@
       </p:pic>
       <p:pic>
         <p:nvPicPr>
-          <p:cNvPr id="25" name="Picture 24">
-            <a:extLst>
-              <a:ext uri="{FF2B5EF4-FFF2-40B4-BE49-F238E27FC236}">
-                <a16:creationId xmlns:a16="http://schemas.microsoft.com/office/drawing/2014/main" id="{AA40ED32-9C36-C629-3B8D-CFF9406B8996}"/>
+          <p:cNvPr id="31" name="Picture 30">
+            <a:extLst>
+              <a:ext uri="{FF2B5EF4-FFF2-40B4-BE49-F238E27FC236}">
+                <a16:creationId xmlns:a16="http://schemas.microsoft.com/office/drawing/2014/main" id="{C4B31139-3B1D-5807-4051-19DAD3A408BB}"/>
               </a:ext>
             </a:extLst>
           </p:cNvPr>
@@ -4985,36 +4985,6 @@
         </p:nvPicPr>
         <p:blipFill>
           <a:blip r:embed="rId3"/>
-          <a:stretch>
-            <a:fillRect/>
-          </a:stretch>
-        </p:blipFill>
-        <p:spPr>
-          <a:xfrm>
-            <a:off x="0" y="774742"/>
-            <a:ext cx="6166730" cy="3173346"/>
-          </a:xfrm>
-          <a:prstGeom prst="rect">
-            <a:avLst/>
-          </a:prstGeom>
-        </p:spPr>
-      </p:pic>
-      <p:pic>
-        <p:nvPicPr>
-          <p:cNvPr id="31" name="Picture 30">
-            <a:extLst>
-              <a:ext uri="{FF2B5EF4-FFF2-40B4-BE49-F238E27FC236}">
-                <a16:creationId xmlns:a16="http://schemas.microsoft.com/office/drawing/2014/main" id="{C4B31139-3B1D-5807-4051-19DAD3A408BB}"/>
-              </a:ext>
-            </a:extLst>
-          </p:cNvPr>
-          <p:cNvPicPr>
-            <a:picLocks noChangeAspect="1"/>
-          </p:cNvPicPr>
-          <p:nvPr/>
-        </p:nvPicPr>
-        <p:blipFill>
-          <a:blip r:embed="rId4"/>
           <a:stretch>
             <a:fillRect/>
           </a:stretch>
@@ -5044,7 +5014,7 @@
           <p:nvPr/>
         </p:nvPicPr>
         <p:blipFill>
-          <a:blip r:embed="rId5"/>
+          <a:blip r:embed="rId4"/>
           <a:stretch>
             <a:fillRect/>
           </a:stretch>
@@ -5053,6 +5023,36 @@
           <a:xfrm>
             <a:off x="6134512" y="3241476"/>
             <a:ext cx="3800467" cy="3529365"/>
+          </a:xfrm>
+          <a:prstGeom prst="rect">
+            <a:avLst/>
+          </a:prstGeom>
+        </p:spPr>
+      </p:pic>
+      <p:pic>
+        <p:nvPicPr>
+          <p:cNvPr id="7" name="Picture 6">
+            <a:extLst>
+              <a:ext uri="{FF2B5EF4-FFF2-40B4-BE49-F238E27FC236}">
+                <a16:creationId xmlns:a16="http://schemas.microsoft.com/office/drawing/2014/main" id="{BB01C73A-1618-5CE7-E4F4-4E92EBBADDA7}"/>
+              </a:ext>
+            </a:extLst>
+          </p:cNvPr>
+          <p:cNvPicPr>
+            <a:picLocks noChangeAspect="1"/>
+          </p:cNvPicPr>
+          <p:nvPr/>
+        </p:nvPicPr>
+        <p:blipFill>
+          <a:blip r:embed="rId5"/>
+          <a:stretch>
+            <a:fillRect/>
+          </a:stretch>
+        </p:blipFill>
+        <p:spPr>
+          <a:xfrm>
+            <a:off x="99138" y="928744"/>
+            <a:ext cx="5952415" cy="3234385"/>
           </a:xfrm>
           <a:prstGeom prst="rect">
             <a:avLst/>
